--- a/JavaScipt(Gà lại lập trình).pptx
+++ b/JavaScipt(Gà lại lập trình).pptx
@@ -277,7 +277,7 @@
           <a:p>
             <a:fld id="{341818BA-3038-4FE4-879B-B78FEA8C11E3}" type="datetimeFigureOut">
               <a:rPr lang="en-US" smtClean="0"/>
-              <a:t>07/11/2024</a:t>
+              <a:t>04/12/2024</a:t>
             </a:fld>
             <a:endParaRPr lang="en-US"/>
           </a:p>
@@ -475,7 +475,7 @@
           <a:p>
             <a:fld id="{341818BA-3038-4FE4-879B-B78FEA8C11E3}" type="datetimeFigureOut">
               <a:rPr lang="en-US" smtClean="0"/>
-              <a:t>07/11/2024</a:t>
+              <a:t>04/12/2024</a:t>
             </a:fld>
             <a:endParaRPr lang="en-US"/>
           </a:p>
@@ -683,7 +683,7 @@
           <a:p>
             <a:fld id="{341818BA-3038-4FE4-879B-B78FEA8C11E3}" type="datetimeFigureOut">
               <a:rPr lang="en-US" smtClean="0"/>
-              <a:t>07/11/2024</a:t>
+              <a:t>04/12/2024</a:t>
             </a:fld>
             <a:endParaRPr lang="en-US"/>
           </a:p>
@@ -881,7 +881,7 @@
           <a:p>
             <a:fld id="{341818BA-3038-4FE4-879B-B78FEA8C11E3}" type="datetimeFigureOut">
               <a:rPr lang="en-US" smtClean="0"/>
-              <a:t>07/11/2024</a:t>
+              <a:t>04/12/2024</a:t>
             </a:fld>
             <a:endParaRPr lang="en-US"/>
           </a:p>
@@ -1156,7 +1156,7 @@
           <a:p>
             <a:fld id="{341818BA-3038-4FE4-879B-B78FEA8C11E3}" type="datetimeFigureOut">
               <a:rPr lang="en-US" smtClean="0"/>
-              <a:t>07/11/2024</a:t>
+              <a:t>04/12/2024</a:t>
             </a:fld>
             <a:endParaRPr lang="en-US"/>
           </a:p>
@@ -1421,7 +1421,7 @@
           <a:p>
             <a:fld id="{341818BA-3038-4FE4-879B-B78FEA8C11E3}" type="datetimeFigureOut">
               <a:rPr lang="en-US" smtClean="0"/>
-              <a:t>07/11/2024</a:t>
+              <a:t>04/12/2024</a:t>
             </a:fld>
             <a:endParaRPr lang="en-US"/>
           </a:p>
@@ -1833,7 +1833,7 @@
           <a:p>
             <a:fld id="{341818BA-3038-4FE4-879B-B78FEA8C11E3}" type="datetimeFigureOut">
               <a:rPr lang="en-US" smtClean="0"/>
-              <a:t>07/11/2024</a:t>
+              <a:t>04/12/2024</a:t>
             </a:fld>
             <a:endParaRPr lang="en-US"/>
           </a:p>
@@ -1974,7 +1974,7 @@
           <a:p>
             <a:fld id="{341818BA-3038-4FE4-879B-B78FEA8C11E3}" type="datetimeFigureOut">
               <a:rPr lang="en-US" smtClean="0"/>
-              <a:t>07/11/2024</a:t>
+              <a:t>04/12/2024</a:t>
             </a:fld>
             <a:endParaRPr lang="en-US"/>
           </a:p>
@@ -2087,7 +2087,7 @@
           <a:p>
             <a:fld id="{341818BA-3038-4FE4-879B-B78FEA8C11E3}" type="datetimeFigureOut">
               <a:rPr lang="en-US" smtClean="0"/>
-              <a:t>07/11/2024</a:t>
+              <a:t>04/12/2024</a:t>
             </a:fld>
             <a:endParaRPr lang="en-US"/>
           </a:p>
@@ -2398,7 +2398,7 @@
           <a:p>
             <a:fld id="{341818BA-3038-4FE4-879B-B78FEA8C11E3}" type="datetimeFigureOut">
               <a:rPr lang="en-US" smtClean="0"/>
-              <a:t>07/11/2024</a:t>
+              <a:t>04/12/2024</a:t>
             </a:fld>
             <a:endParaRPr lang="en-US"/>
           </a:p>
@@ -2686,7 +2686,7 @@
           <a:p>
             <a:fld id="{341818BA-3038-4FE4-879B-B78FEA8C11E3}" type="datetimeFigureOut">
               <a:rPr lang="en-US" smtClean="0"/>
-              <a:t>07/11/2024</a:t>
+              <a:t>04/12/2024</a:t>
             </a:fld>
             <a:endParaRPr lang="en-US"/>
           </a:p>
@@ -2927,7 +2927,7 @@
           <a:p>
             <a:fld id="{341818BA-3038-4FE4-879B-B78FEA8C11E3}" type="datetimeFigureOut">
               <a:rPr lang="en-US" smtClean="0"/>
-              <a:t>07/11/2024</a:t>
+              <a:t>04/12/2024</a:t>
             </a:fld>
             <a:endParaRPr lang="en-US"/>
           </a:p>
@@ -4567,6 +4567,41 @@
           </a:prstGeom>
         </p:spPr>
       </p:pic>
+      <p:sp>
+        <p:nvSpPr>
+          <p:cNvPr id="2" name="TextBox 1">
+            <a:extLst>
+              <a:ext uri="{FF2B5EF4-FFF2-40B4-BE49-F238E27FC236}">
+                <a16:creationId xmlns:a16="http://schemas.microsoft.com/office/drawing/2014/main" id="{30CF7296-809B-44E7-AA33-9D8255934995}"/>
+              </a:ext>
+            </a:extLst>
+          </p:cNvPr>
+          <p:cNvSpPr txBox="1"/>
+          <p:nvPr/>
+        </p:nvSpPr>
+        <p:spPr>
+          <a:xfrm>
+            <a:off x="299656" y="146482"/>
+            <a:ext cx="11259070" cy="369332"/>
+          </a:xfrm>
+          <a:prstGeom prst="rect">
+            <a:avLst/>
+          </a:prstGeom>
+          <a:noFill/>
+        </p:spPr>
+        <p:txBody>
+          <a:bodyPr wrap="square" rtlCol="0">
+            <a:spAutoFit/>
+          </a:bodyPr>
+          <a:lstStyle/>
+          <a:p>
+            <a:r>
+              <a:rPr lang="en-US"/>
+              <a:t>Nhúng File JS vào HTML.</a:t>
+            </a:r>
+          </a:p>
+        </p:txBody>
+      </p:sp>
     </p:spTree>
     <p:extLst>
       <p:ext uri="{BB962C8B-B14F-4D97-AF65-F5344CB8AC3E}">
